--- a/documentacao/documentoweb2015/06-tutorial/Partiu!.pptx
+++ b/documentacao/documentoweb2015/06-tutorial/Partiu!.pptx
@@ -148,6 +148,11 @@
       </a:defRPr>
     </a:lvl9pPr>
   </p:defaultTextStyle>
+  <p:extLst>
+    <p:ext uri="{EFAFB233-063F-42B5-8137-9DF3F51BA10A}">
+      <p15:sldGuideLst xmlns:p15="http://schemas.microsoft.com/office/powerpoint/2012/main"/>
+    </p:ext>
+  </p:extLst>
 </p:presentation>
 </file>
 
@@ -987,7 +992,7 @@
               <a:pPr>
                 <a:defRPr/>
               </a:pPr>
-              <a:t>‹nº›</a:t>
+              <a:t>‹#›</a:t>
             </a:fld>
             <a:endParaRPr lang="pt-BR"/>
           </a:p>
@@ -2656,7 +2661,7 @@
               <a:pPr>
                 <a:defRPr/>
               </a:pPr>
-              <a:t>‹nº›</a:t>
+              <a:t>‹#›</a:t>
             </a:fld>
             <a:endParaRPr lang="pt-BR"/>
           </a:p>
@@ -4239,7 +4244,7 @@
               <a:pPr>
                 <a:defRPr/>
               </a:pPr>
-              <a:t>‹nº›</a:t>
+              <a:t>‹#›</a:t>
             </a:fld>
             <a:endParaRPr lang="pt-BR"/>
           </a:p>
@@ -5997,7 +6002,7 @@
               <a:pPr>
                 <a:defRPr/>
               </a:pPr>
-              <a:t>‹nº›</a:t>
+              <a:t>‹#›</a:t>
             </a:fld>
             <a:endParaRPr lang="pt-BR"/>
           </a:p>
@@ -7630,7 +7635,7 @@
               <a:pPr>
                 <a:defRPr/>
               </a:pPr>
-              <a:t>‹nº›</a:t>
+              <a:t>‹#›</a:t>
             </a:fld>
             <a:endParaRPr lang="pt-BR"/>
           </a:p>
@@ -8267,7 +8272,7 @@
               <a:pPr>
                 <a:defRPr/>
               </a:pPr>
-              <a:t>‹nº›</a:t>
+              <a:t>‹#›</a:t>
             </a:fld>
             <a:endParaRPr lang="pt-BR"/>
           </a:p>
@@ -9144,7 +9149,7 @@
               <a:pPr>
                 <a:defRPr/>
               </a:pPr>
-              <a:t>‹nº›</a:t>
+              <a:t>‹#›</a:t>
             </a:fld>
             <a:endParaRPr lang="pt-BR"/>
           </a:p>
@@ -9346,7 +9351,7 @@
               <a:pPr>
                 <a:defRPr/>
               </a:pPr>
-              <a:t>‹nº›</a:t>
+              <a:t>‹#›</a:t>
             </a:fld>
             <a:endParaRPr lang="pt-BR"/>
           </a:p>
@@ -10952,7 +10957,7 @@
               <a:pPr>
                 <a:defRPr/>
               </a:pPr>
-              <a:t>‹nº›</a:t>
+              <a:t>‹#›</a:t>
             </a:fld>
             <a:endParaRPr lang="pt-BR"/>
           </a:p>
@@ -11149,7 +11154,7 @@
               <a:pPr>
                 <a:defRPr/>
               </a:pPr>
-              <a:t>‹nº›</a:t>
+              <a:t>‹#›</a:t>
             </a:fld>
             <a:endParaRPr lang="pt-BR"/>
           </a:p>
@@ -12819,7 +12824,7 @@
               <a:pPr>
                 <a:defRPr/>
               </a:pPr>
-              <a:t>‹nº›</a:t>
+              <a:t>‹#›</a:t>
             </a:fld>
             <a:endParaRPr lang="pt-BR"/>
           </a:p>
@@ -13082,7 +13087,7 @@
               <a:pPr>
                 <a:defRPr/>
               </a:pPr>
-              <a:t>‹nº›</a:t>
+              <a:t>‹#›</a:t>
             </a:fld>
             <a:endParaRPr lang="pt-BR"/>
           </a:p>
@@ -13491,7 +13496,7 @@
               <a:pPr>
                 <a:defRPr/>
               </a:pPr>
-              <a:t>‹nº›</a:t>
+              <a:t>‹#›</a:t>
             </a:fld>
             <a:endParaRPr lang="pt-BR"/>
           </a:p>
@@ -13636,7 +13641,7 @@
               <a:pPr>
                 <a:defRPr/>
               </a:pPr>
-              <a:t>‹nº›</a:t>
+              <a:t>‹#›</a:t>
             </a:fld>
             <a:endParaRPr lang="pt-BR"/>
           </a:p>
@@ -13794,7 +13799,7 @@
               <a:pPr>
                 <a:defRPr/>
               </a:pPr>
-              <a:t>‹nº›</a:t>
+              <a:t>‹#›</a:t>
             </a:fld>
             <a:endParaRPr lang="pt-BR"/>
           </a:p>
@@ -15475,7 +15480,7 @@
               <a:pPr>
                 <a:defRPr/>
               </a:pPr>
-              <a:t>‹nº›</a:t>
+              <a:t>‹#›</a:t>
             </a:fld>
             <a:endParaRPr lang="pt-BR"/>
           </a:p>
@@ -17181,7 +17186,7 @@
               <a:pPr>
                 <a:defRPr/>
               </a:pPr>
-              <a:t>‹nº›</a:t>
+              <a:t>‹#›</a:t>
             </a:fld>
             <a:endParaRPr lang="pt-BR"/>
           </a:p>
@@ -18876,7 +18881,7 @@
               <a:pPr>
                 <a:defRPr/>
               </a:pPr>
-              <a:t>‹nº›</a:t>
+              <a:t>‹#›</a:t>
             </a:fld>
             <a:endParaRPr lang="pt-BR"/>
           </a:p>
@@ -19523,30 +19528,6 @@
       </p:sp>
       <p:sp>
         <p:nvSpPr>
-          <p:cNvPr id="23555" name="Espaço Reservado para Conteúdo 2"/>
-          <p:cNvSpPr>
-            <a:spLocks noGrp="1"/>
-          </p:cNvSpPr>
-          <p:nvPr>
-            <p:ph idx="1"/>
-          </p:nvPr>
-        </p:nvSpPr>
-        <p:spPr>
-          <a:xfrm>
-            <a:off x="5781675" y="1447800"/>
-            <a:ext cx="5189538" cy="4572000"/>
-          </a:xfrm>
-        </p:spPr>
-        <p:txBody>
-          <a:bodyPr/>
-          <a:lstStyle/>
-          <a:p>
-            <a:endParaRPr lang="pt-BR" altLang="pt-BR" smtClean="0"/>
-          </a:p>
-        </p:txBody>
-      </p:sp>
-      <p:sp>
-        <p:nvSpPr>
           <p:cNvPr id="23556" name="Espaço Reservado para Texto 3"/>
           <p:cNvSpPr>
             <a:spLocks noGrp="1"/>
@@ -19604,15 +19585,20 @@
         </p:blipFill>
         <p:spPr bwMode="auto">
           <a:xfrm>
-            <a:off x="7219950" y="771525"/>
+            <a:off x="6305551" y="771525"/>
             <a:ext cx="2914650" cy="5248275"/>
           </a:xfrm>
           <a:prstGeom prst="rect">
             <a:avLst/>
           </a:prstGeom>
           <a:noFill/>
-          <a:ln>
-            <a:noFill/>
+          <a:ln w="9525">
+            <a:solidFill>
+              <a:srgbClr val="000000"/>
+            </a:solidFill>
+            <a:miter lim="800000"/>
+            <a:headEnd/>
+            <a:tailEnd/>
           </a:ln>
           <a:extLst>
             <a:ext uri="{909E8E84-426E-40DD-AFC4-6F175D3DCCD1}">
@@ -19621,16 +19607,6 @@
                   <a:srgbClr val="FFFFFF"/>
                 </a:solidFill>
               </a14:hiddenFill>
-            </a:ext>
-            <a:ext uri="{91240B29-F687-4F45-9708-019B960494DF}">
-              <a14:hiddenLine xmlns:a14="http://schemas.microsoft.com/office/drawing/2010/main" w="9525">
-                <a:solidFill>
-                  <a:srgbClr val="000000"/>
-                </a:solidFill>
-                <a:miter lim="800000"/>
-                <a:headEnd/>
-                <a:tailEnd/>
-              </a14:hiddenLine>
             </a:ext>
           </a:extLst>
         </p:spPr>
@@ -19795,7 +19771,7 @@
         </p:blipFill>
         <p:spPr bwMode="auto">
           <a:xfrm>
-            <a:off x="7332663" y="796925"/>
+            <a:off x="6263720" y="796925"/>
             <a:ext cx="2943225" cy="5227638"/>
           </a:xfrm>
           <a:prstGeom prst="rect">
@@ -19908,6 +19884,11 @@
             <a:off x="6473825" y="1173163"/>
             <a:ext cx="2643188" cy="4695825"/>
           </a:xfrm>
+          <a:ln w="9525">
+            <a:solidFill>
+              <a:schemeClr val="tx1"/>
+            </a:solidFill>
+          </a:ln>
         </p:spPr>
       </p:pic>
       <p:sp>
@@ -19976,8 +19957,13 @@
             <a:avLst/>
           </a:prstGeom>
           <a:noFill/>
-          <a:ln>
-            <a:noFill/>
+          <a:ln w="9525">
+            <a:solidFill>
+              <a:schemeClr val="tx1"/>
+            </a:solidFill>
+            <a:miter lim="800000"/>
+            <a:headEnd/>
+            <a:tailEnd/>
           </a:ln>
           <a:extLst>
             <a:ext uri="{909E8E84-426E-40DD-AFC4-6F175D3DCCD1}">
@@ -19986,16 +19972,6 @@
                   <a:srgbClr val="FFFFFF"/>
                 </a:solidFill>
               </a14:hiddenFill>
-            </a:ext>
-            <a:ext uri="{91240B29-F687-4F45-9708-019B960494DF}">
-              <a14:hiddenLine xmlns:a14="http://schemas.microsoft.com/office/drawing/2010/main" w="9525">
-                <a:solidFill>
-                  <a:srgbClr val="000000"/>
-                </a:solidFill>
-                <a:miter lim="800000"/>
-                <a:headEnd/>
-                <a:tailEnd/>
-              </a14:hiddenLine>
             </a:ext>
           </a:extLst>
         </p:spPr>
@@ -20030,8 +20006,13 @@
             <a:avLst/>
           </a:prstGeom>
           <a:noFill/>
-          <a:ln>
-            <a:noFill/>
+          <a:ln w="9525">
+            <a:solidFill>
+              <a:schemeClr val="tx1"/>
+            </a:solidFill>
+            <a:miter lim="800000"/>
+            <a:headEnd/>
+            <a:tailEnd/>
           </a:ln>
           <a:extLst>
             <a:ext uri="{909E8E84-426E-40DD-AFC4-6F175D3DCCD1}">
@@ -20040,16 +20021,6 @@
                   <a:srgbClr val="FFFFFF"/>
                 </a:solidFill>
               </a14:hiddenFill>
-            </a:ext>
-            <a:ext uri="{91240B29-F687-4F45-9708-019B960494DF}">
-              <a14:hiddenLine xmlns:a14="http://schemas.microsoft.com/office/drawing/2010/main" w="9525">
-                <a:solidFill>
-                  <a:srgbClr val="000000"/>
-                </a:solidFill>
-                <a:miter lim="800000"/>
-                <a:headEnd/>
-                <a:tailEnd/>
-              </a14:hiddenLine>
             </a:ext>
           </a:extLst>
         </p:spPr>
@@ -20077,7 +20048,7 @@
         </p:blipFill>
         <p:spPr bwMode="auto">
           <a:xfrm>
-            <a:off x="1666875" y="2990850"/>
+            <a:off x="1785144" y="2823424"/>
             <a:ext cx="190500" cy="171450"/>
           </a:xfrm>
           <a:prstGeom prst="rect">
@@ -20195,6 +20166,11 @@
             <a:off x="8428038" y="631825"/>
             <a:ext cx="2938462" cy="5240338"/>
           </a:xfrm>
+          <a:ln w="9525">
+            <a:solidFill>
+              <a:schemeClr val="tx1"/>
+            </a:solidFill>
+          </a:ln>
         </p:spPr>
       </p:pic>
       <p:sp>
@@ -20260,8 +20236,13 @@
             <a:avLst/>
           </a:prstGeom>
           <a:noFill/>
-          <a:ln>
-            <a:noFill/>
+          <a:ln w="9525">
+            <a:solidFill>
+              <a:srgbClr val="000000"/>
+            </a:solidFill>
+            <a:miter lim="800000"/>
+            <a:headEnd/>
+            <a:tailEnd/>
           </a:ln>
           <a:extLst>
             <a:ext uri="{909E8E84-426E-40DD-AFC4-6F175D3DCCD1}">
@@ -20270,16 +20251,6 @@
                   <a:srgbClr val="FFFFFF"/>
                 </a:solidFill>
               </a14:hiddenFill>
-            </a:ext>
-            <a:ext uri="{91240B29-F687-4F45-9708-019B960494DF}">
-              <a14:hiddenLine xmlns:a14="http://schemas.microsoft.com/office/drawing/2010/main" w="9525">
-                <a:solidFill>
-                  <a:srgbClr val="000000"/>
-                </a:solidFill>
-                <a:miter lim="800000"/>
-                <a:headEnd/>
-                <a:tailEnd/>
-              </a14:hiddenLine>
             </a:ext>
           </a:extLst>
         </p:spPr>
@@ -20345,30 +20316,6 @@
       </p:sp>
       <p:sp>
         <p:nvSpPr>
-          <p:cNvPr id="27651" name="Espaço Reservado para Conteúdo 2"/>
-          <p:cNvSpPr>
-            <a:spLocks noGrp="1"/>
-          </p:cNvSpPr>
-          <p:nvPr>
-            <p:ph idx="1"/>
-          </p:nvPr>
-        </p:nvSpPr>
-        <p:spPr>
-          <a:xfrm>
-            <a:off x="5781675" y="1447800"/>
-            <a:ext cx="5189538" cy="4572000"/>
-          </a:xfrm>
-        </p:spPr>
-        <p:txBody>
-          <a:bodyPr/>
-          <a:lstStyle/>
-          <a:p>
-            <a:endParaRPr lang="pt-BR" altLang="pt-BR" smtClean="0"/>
-          </a:p>
-        </p:txBody>
-      </p:sp>
-      <p:sp>
-        <p:nvSpPr>
           <p:cNvPr id="27652" name="Text Placeholder 3"/>
           <p:cNvSpPr>
             <a:spLocks noGrp="1"/>
@@ -20420,15 +20367,20 @@
         </p:blipFill>
         <p:spPr bwMode="auto">
           <a:xfrm>
-            <a:off x="8204200" y="814388"/>
+            <a:off x="6233734" y="814388"/>
             <a:ext cx="2943225" cy="5229225"/>
           </a:xfrm>
           <a:prstGeom prst="rect">
             <a:avLst/>
           </a:prstGeom>
           <a:noFill/>
-          <a:ln>
-            <a:noFill/>
+          <a:ln w="9525">
+            <a:solidFill>
+              <a:srgbClr val="000000"/>
+            </a:solidFill>
+            <a:miter lim="800000"/>
+            <a:headEnd/>
+            <a:tailEnd/>
           </a:ln>
           <a:extLst>
             <a:ext uri="{909E8E84-426E-40DD-AFC4-6F175D3DCCD1}">
@@ -20437,16 +20389,6 @@
                   <a:srgbClr val="FFFFFF"/>
                 </a:solidFill>
               </a14:hiddenFill>
-            </a:ext>
-            <a:ext uri="{91240B29-F687-4F45-9708-019B960494DF}">
-              <a14:hiddenLine xmlns:a14="http://schemas.microsoft.com/office/drawing/2010/main" w="9525">
-                <a:solidFill>
-                  <a:srgbClr val="000000"/>
-                </a:solidFill>
-                <a:miter lim="800000"/>
-                <a:headEnd/>
-                <a:tailEnd/>
-              </a14:hiddenLine>
             </a:ext>
           </a:extLst>
         </p:spPr>
@@ -20496,7 +20438,7 @@
         <p:spPr>
           <a:xfrm>
             <a:off x="1155700" y="1295400"/>
-            <a:ext cx="2792413" cy="1600200"/>
+            <a:ext cx="2792413" cy="1344769"/>
           </a:xfrm>
         </p:spPr>
         <p:txBody>
@@ -20504,33 +20446,9 @@
           <a:lstStyle/>
           <a:p>
             <a:r>
-              <a:rPr lang="pt-BR" altLang="pt-BR" smtClean="0"/>
+              <a:rPr lang="pt-BR" altLang="pt-BR" dirty="0" smtClean="0"/>
               <a:t>MENU LATERAL</a:t>
             </a:r>
-          </a:p>
-        </p:txBody>
-      </p:sp>
-      <p:sp>
-        <p:nvSpPr>
-          <p:cNvPr id="28675" name="Espaço Reservado para Conteúdo 2"/>
-          <p:cNvSpPr>
-            <a:spLocks noGrp="1"/>
-          </p:cNvSpPr>
-          <p:nvPr>
-            <p:ph idx="1"/>
-          </p:nvPr>
-        </p:nvSpPr>
-        <p:spPr>
-          <a:xfrm>
-            <a:off x="5781675" y="1447800"/>
-            <a:ext cx="5189538" cy="4572000"/>
-          </a:xfrm>
-        </p:spPr>
-        <p:txBody>
-          <a:bodyPr/>
-          <a:lstStyle/>
-          <a:p>
-            <a:endParaRPr lang="pt-BR" altLang="pt-BR" smtClean="0"/>
           </a:p>
         </p:txBody>
       </p:sp>
@@ -20546,8 +20464,8 @@
         </p:nvSpPr>
         <p:spPr>
           <a:xfrm>
-            <a:off x="1155700" y="2895600"/>
-            <a:ext cx="2792413" cy="3128963"/>
+            <a:off x="1155700" y="2640170"/>
+            <a:ext cx="2792413" cy="3384394"/>
           </a:xfrm>
         </p:spPr>
         <p:txBody>
@@ -20637,63 +20555,43 @@
             </a:pPr>
             <a:r>
               <a:rPr lang="pt-BR" dirty="0" smtClean="0"/>
-              <a:t>Sobre - </a:t>
+              <a:t>Sobre </a:t>
             </a:r>
+            <a:r>
+              <a:rPr lang="pt-BR" dirty="0" smtClean="0"/>
+              <a:t>– Com Informações sobre o software</a:t>
+            </a:r>
+            <a:endParaRPr lang="pt-BR" dirty="0" smtClean="0"/>
           </a:p>
         </p:txBody>
       </p:sp>
       <p:pic>
         <p:nvPicPr>
-          <p:cNvPr id="28677" name="Imagem 4"/>
+          <p:cNvPr id="3" name="Picture 2"/>
           <p:cNvPicPr>
             <a:picLocks noChangeAspect="1"/>
           </p:cNvPicPr>
           <p:nvPr/>
         </p:nvPicPr>
         <p:blipFill>
-          <a:blip r:embed="rId2">
-            <a:extLst>
-              <a:ext uri="{28A0092B-C50C-407E-A947-70E740481C1C}">
-                <a14:useLocalDpi xmlns:a14="http://schemas.microsoft.com/office/drawing/2010/main" val="0"/>
-              </a:ext>
-            </a:extLst>
-          </a:blip>
-          <a:srcRect/>
+          <a:blip r:embed="rId2"/>
           <a:stretch>
             <a:fillRect/>
           </a:stretch>
         </p:blipFill>
-        <p:spPr bwMode="auto">
+        <p:spPr>
           <a:xfrm>
-            <a:off x="6811963" y="828675"/>
-            <a:ext cx="2914650" cy="5191125"/>
+            <a:off x="6277825" y="829000"/>
+            <a:ext cx="2933333" cy="5200000"/>
           </a:xfrm>
           <a:prstGeom prst="rect">
             <a:avLst/>
           </a:prstGeom>
-          <a:noFill/>
-          <a:ln>
-            <a:noFill/>
+          <a:ln w="9525">
+            <a:solidFill>
+              <a:schemeClr val="tx1"/>
+            </a:solidFill>
           </a:ln>
-          <a:extLst>
-            <a:ext uri="{909E8E84-426E-40DD-AFC4-6F175D3DCCD1}">
-              <a14:hiddenFill xmlns:a14="http://schemas.microsoft.com/office/drawing/2010/main">
-                <a:solidFill>
-                  <a:srgbClr val="FFFFFF"/>
-                </a:solidFill>
-              </a14:hiddenFill>
-            </a:ext>
-            <a:ext uri="{91240B29-F687-4F45-9708-019B960494DF}">
-              <a14:hiddenLine xmlns:a14="http://schemas.microsoft.com/office/drawing/2010/main" w="9525">
-                <a:solidFill>
-                  <a:srgbClr val="000000"/>
-                </a:solidFill>
-                <a:miter lim="800000"/>
-                <a:headEnd/>
-                <a:tailEnd/>
-              </a14:hiddenLine>
-            </a:ext>
-          </a:extLst>
         </p:spPr>
       </p:pic>
     </p:spTree>
@@ -20869,8 +20767,13 @@
             <a:avLst/>
           </a:prstGeom>
           <a:noFill/>
-          <a:ln>
-            <a:noFill/>
+          <a:ln w="9525">
+            <a:solidFill>
+              <a:schemeClr val="tx1"/>
+            </a:solidFill>
+            <a:miter lim="800000"/>
+            <a:headEnd/>
+            <a:tailEnd/>
           </a:ln>
           <a:extLst>
             <a:ext uri="{909E8E84-426E-40DD-AFC4-6F175D3DCCD1}">
@@ -20879,16 +20782,6 @@
                   <a:srgbClr val="FFFFFF"/>
                 </a:solidFill>
               </a14:hiddenFill>
-            </a:ext>
-            <a:ext uri="{91240B29-F687-4F45-9708-019B960494DF}">
-              <a14:hiddenLine xmlns:a14="http://schemas.microsoft.com/office/drawing/2010/main" w="9525">
-                <a:solidFill>
-                  <a:srgbClr val="000000"/>
-                </a:solidFill>
-                <a:miter lim="800000"/>
-                <a:headEnd/>
-                <a:tailEnd/>
-              </a14:hiddenLine>
             </a:ext>
           </a:extLst>
         </p:spPr>
@@ -21588,7 +21481,7 @@
         <p:spPr>
           <a:xfrm>
             <a:off x="1155700" y="1295400"/>
-            <a:ext cx="2792413" cy="1600200"/>
+            <a:ext cx="2792413" cy="1357648"/>
           </a:xfrm>
         </p:spPr>
         <p:txBody>
@@ -21596,9 +21489,10 @@
           <a:lstStyle/>
           <a:p>
             <a:r>
-              <a:rPr lang="pt-BR" altLang="pt-BR" smtClean="0"/>
-              <a:t>Cadastrar agenda</a:t>
+              <a:rPr lang="pt-BR" altLang="pt-BR" dirty="0" smtClean="0"/>
+              <a:t>Selecionar Ponto de Interesse</a:t>
             </a:r>
+            <a:endParaRPr lang="pt-BR" altLang="pt-BR" dirty="0" smtClean="0"/>
           </a:p>
         </p:txBody>
       </p:sp>
@@ -21630,6 +21524,11 @@
             <a:off x="5197475" y="1000125"/>
             <a:ext cx="2714625" cy="4873625"/>
           </a:xfrm>
+          <a:ln w="9525">
+            <a:solidFill>
+              <a:schemeClr val="tx1"/>
+            </a:solidFill>
+          </a:ln>
         </p:spPr>
       </p:pic>
       <p:sp>
@@ -21652,13 +21551,37 @@
           <a:bodyPr/>
           <a:lstStyle/>
           <a:p>
+            <a:pPr fontAlgn="auto">
+              <a:spcAft>
+                <a:spcPts val="0"/>
+              </a:spcAft>
+              <a:defRPr/>
+            </a:pPr>
             <a:r>
-              <a:rPr lang="pt-BR" altLang="pt-BR" smtClean="0"/>
-              <a:t>Usuário Logado, seleciona o botao de +</a:t>
+              <a:rPr lang="pt-BR" dirty="0"/>
+              <a:t>Esta tela permite que sejam inseridos diversos pontos de interesse que podem ser utilizados com frequência por você.</a:t>
             </a:r>
           </a:p>
           <a:p>
-            <a:endParaRPr lang="pt-BR" altLang="pt-BR" smtClean="0"/>
+            <a:pPr fontAlgn="auto">
+              <a:spcAft>
+                <a:spcPts val="0"/>
+              </a:spcAft>
+              <a:defRPr/>
+            </a:pPr>
+            <a:endParaRPr lang="pt-BR" dirty="0"/>
+          </a:p>
+          <a:p>
+            <a:pPr fontAlgn="auto">
+              <a:spcAft>
+                <a:spcPts val="0"/>
+              </a:spcAft>
+              <a:defRPr/>
+            </a:pPr>
+            <a:r>
+              <a:rPr lang="pt-BR" dirty="0"/>
+              <a:t>PASSO 1: Escolha o tipo do ponto de interesse.</a:t>
+            </a:r>
           </a:p>
         </p:txBody>
       </p:sp>
@@ -21692,8 +21615,13 @@
             <a:avLst/>
           </a:prstGeom>
           <a:noFill/>
-          <a:ln>
-            <a:noFill/>
+          <a:ln w="9525">
+            <a:solidFill>
+              <a:schemeClr val="tx1"/>
+            </a:solidFill>
+            <a:miter lim="800000"/>
+            <a:headEnd/>
+            <a:tailEnd/>
           </a:ln>
           <a:extLst>
             <a:ext uri="{909E8E84-426E-40DD-AFC4-6F175D3DCCD1}">
@@ -21703,19 +21631,60 @@
                 </a:solidFill>
               </a14:hiddenFill>
             </a:ext>
-            <a:ext uri="{91240B29-F687-4F45-9708-019B960494DF}">
-              <a14:hiddenLine xmlns:a14="http://schemas.microsoft.com/office/drawing/2010/main" w="9525">
-                <a:solidFill>
-                  <a:srgbClr val="000000"/>
-                </a:solidFill>
-                <a:miter lim="800000"/>
-                <a:headEnd/>
-                <a:tailEnd/>
-              </a14:hiddenLine>
-            </a:ext>
           </a:extLst>
         </p:spPr>
       </p:pic>
+      <p:sp>
+        <p:nvSpPr>
+          <p:cNvPr id="6" name="Pentágono 4"/>
+          <p:cNvSpPr/>
+          <p:nvPr/>
+        </p:nvSpPr>
+        <p:spPr>
+          <a:xfrm>
+            <a:off x="6844068" y="1514878"/>
+            <a:ext cx="366712" cy="266700"/>
+          </a:xfrm>
+          <a:prstGeom prst="homePlate">
+            <a:avLst/>
+          </a:prstGeom>
+        </p:spPr>
+        <p:style>
+          <a:lnRef idx="2">
+            <a:schemeClr val="accent1">
+              <a:shade val="50000"/>
+            </a:schemeClr>
+          </a:lnRef>
+          <a:fillRef idx="1">
+            <a:schemeClr val="accent1"/>
+          </a:fillRef>
+          <a:effectRef idx="0">
+            <a:schemeClr val="accent1"/>
+          </a:effectRef>
+          <a:fontRef idx="minor">
+            <a:schemeClr val="lt1"/>
+          </a:fontRef>
+        </p:style>
+        <p:txBody>
+          <a:bodyPr anchor="ctr"/>
+          <a:lstStyle/>
+          <a:p>
+            <a:pPr algn="ctr" eaLnBrk="1" fontAlgn="auto" hangingPunct="1">
+              <a:spcBef>
+                <a:spcPts val="0"/>
+              </a:spcBef>
+              <a:spcAft>
+                <a:spcPts val="0"/>
+              </a:spcAft>
+              <a:defRPr/>
+            </a:pPr>
+            <a:r>
+              <a:rPr lang="pt-BR" dirty="0"/>
+              <a:t>1</a:t>
+            </a:r>
+          </a:p>
+        </p:txBody>
+      </p:sp>
     </p:spTree>
   </p:cSld>
   <p:clrMapOvr>
@@ -21803,6 +21772,11 @@
             <a:off x="8550275" y="804863"/>
             <a:ext cx="2943225" cy="5253037"/>
           </a:xfrm>
+          <a:ln>
+            <a:solidFill>
+              <a:schemeClr val="tx1"/>
+            </a:solidFill>
+          </a:ln>
         </p:spPr>
       </p:pic>
       <p:sp>
@@ -21823,23 +21797,9 @@
         </p:spPr>
         <p:txBody>
           <a:bodyPr rtlCol="0">
-            <a:normAutofit fontScale="62500" lnSpcReduction="20000"/>
+            <a:normAutofit/>
           </a:bodyPr>
           <a:lstStyle/>
-          <a:p>
-            <a:pPr fontAlgn="auto">
-              <a:spcAft>
-                <a:spcPts val="0"/>
-              </a:spcAft>
-              <a:buFont typeface="Wingdings 3" charset="2"/>
-              <a:buNone/>
-              <a:defRPr/>
-            </a:pPr>
-            <a:r>
-              <a:rPr lang="pt-BR" sz="2500" dirty="0" smtClean="0"/>
-              <a:t>Esta tela permite que sejam inseridos diversos pontos de interesse que podem ser utilizados com frequência por você.</a:t>
-            </a:r>
-          </a:p>
           <a:p>
             <a:pPr fontAlgn="auto">
               <a:spcAft>
@@ -21861,9 +21821,14 @@
               <a:defRPr/>
             </a:pPr>
             <a:r>
-              <a:rPr lang="pt-BR" sz="2500" dirty="0" smtClean="0"/>
-              <a:t>PASSO 1: Escolha o tipo do ponto de interesse.</a:t>
+              <a:rPr lang="pt-BR" sz="1800" dirty="0" smtClean="0"/>
+              <a:t>PASSO 2 : Digite o nome do ponto de interesse que deseja adicionar</a:t>
             </a:r>
+            <a:r>
+              <a:rPr lang="pt-BR" sz="1800" dirty="0" smtClean="0"/>
+              <a:t>. O sistema irá sugerir opções com o recurso de auto completar.</a:t>
+            </a:r>
+            <a:endParaRPr lang="pt-BR" sz="1800" dirty="0" smtClean="0"/>
           </a:p>
           <a:p>
             <a:pPr fontAlgn="auto">
@@ -21874,7 +21839,7 @@
               <a:buNone/>
               <a:defRPr/>
             </a:pPr>
-            <a:endParaRPr lang="pt-BR" sz="2500" dirty="0" smtClean="0"/>
+            <a:endParaRPr lang="pt-BR" sz="1800" dirty="0" smtClean="0"/>
           </a:p>
           <a:p>
             <a:pPr fontAlgn="auto">
@@ -21886,32 +21851,7 @@
               <a:defRPr/>
             </a:pPr>
             <a:r>
-              <a:rPr lang="pt-BR" sz="2500" dirty="0" smtClean="0"/>
-              <a:t>PASSO 2 : Digite o nome do ponto de interesse que deseja adicionar.</a:t>
-            </a:r>
-          </a:p>
-          <a:p>
-            <a:pPr fontAlgn="auto">
-              <a:spcAft>
-                <a:spcPts val="0"/>
-              </a:spcAft>
-              <a:buFont typeface="Wingdings 3" charset="2"/>
-              <a:buNone/>
-              <a:defRPr/>
-            </a:pPr>
-            <a:endParaRPr lang="pt-BR" sz="2500" dirty="0" smtClean="0"/>
-          </a:p>
-          <a:p>
-            <a:pPr fontAlgn="auto">
-              <a:spcAft>
-                <a:spcPts val="0"/>
-              </a:spcAft>
-              <a:buFont typeface="Wingdings 3" charset="2"/>
-              <a:buNone/>
-              <a:defRPr/>
-            </a:pPr>
-            <a:r>
-              <a:rPr lang="pt-BR" sz="2500" dirty="0" smtClean="0"/>
+              <a:rPr lang="pt-BR" sz="1800" dirty="0" smtClean="0"/>
               <a:t>PASSO 3: Clique sobre o ponto que aparece no mapa</a:t>
             </a:r>
           </a:p>
@@ -21958,8 +21898,13 @@
             <a:avLst/>
           </a:prstGeom>
           <a:noFill/>
-          <a:ln>
-            <a:noFill/>
+          <a:ln w="9525">
+            <a:solidFill>
+              <a:srgbClr val="000000"/>
+            </a:solidFill>
+            <a:miter lim="800000"/>
+            <a:headEnd/>
+            <a:tailEnd/>
           </a:ln>
           <a:extLst>
             <a:ext uri="{909E8E84-426E-40DD-AFC4-6F175D3DCCD1}">
@@ -21969,71 +21914,9 @@
                 </a:solidFill>
               </a14:hiddenFill>
             </a:ext>
-            <a:ext uri="{91240B29-F687-4F45-9708-019B960494DF}">
-              <a14:hiddenLine xmlns:a14="http://schemas.microsoft.com/office/drawing/2010/main" w="9525">
-                <a:solidFill>
-                  <a:srgbClr val="000000"/>
-                </a:solidFill>
-                <a:miter lim="800000"/>
-                <a:headEnd/>
-                <a:tailEnd/>
-              </a14:hiddenLine>
-            </a:ext>
           </a:extLst>
         </p:spPr>
       </p:pic>
-      <p:sp>
-        <p:nvSpPr>
-          <p:cNvPr id="5" name="Pentágono 4"/>
-          <p:cNvSpPr/>
-          <p:nvPr/>
-        </p:nvSpPr>
-        <p:spPr>
-          <a:xfrm>
-            <a:off x="10475913" y="1257300"/>
-            <a:ext cx="366712" cy="266700"/>
-          </a:xfrm>
-          <a:prstGeom prst="homePlate">
-            <a:avLst/>
-          </a:prstGeom>
-        </p:spPr>
-        <p:style>
-          <a:lnRef idx="2">
-            <a:schemeClr val="accent1">
-              <a:shade val="50000"/>
-            </a:schemeClr>
-          </a:lnRef>
-          <a:fillRef idx="1">
-            <a:schemeClr val="accent1"/>
-          </a:fillRef>
-          <a:effectRef idx="0">
-            <a:schemeClr val="accent1"/>
-          </a:effectRef>
-          <a:fontRef idx="minor">
-            <a:schemeClr val="lt1"/>
-          </a:fontRef>
-        </p:style>
-        <p:txBody>
-          <a:bodyPr anchor="ctr"/>
-          <a:lstStyle/>
-          <a:p>
-            <a:pPr algn="ctr" eaLnBrk="1" fontAlgn="auto" hangingPunct="1">
-              <a:spcBef>
-                <a:spcPts val="0"/>
-              </a:spcBef>
-              <a:spcAft>
-                <a:spcPts val="0"/>
-              </a:spcAft>
-              <a:defRPr/>
-            </a:pPr>
-            <a:r>
-              <a:rPr lang="pt-BR" dirty="0"/>
-              <a:t>1</a:t>
-            </a:r>
-            <a:endParaRPr lang="pt-BR" dirty="0"/>
-          </a:p>
-        </p:txBody>
-      </p:sp>
       <p:sp>
         <p:nvSpPr>
           <p:cNvPr id="12" name="Pentágono 11"/>
@@ -22042,7 +21925,7 @@
         </p:nvSpPr>
         <p:spPr>
           <a:xfrm>
-            <a:off x="4752975" y="1524000"/>
+            <a:off x="4894644" y="1524000"/>
             <a:ext cx="366713" cy="266700"/>
           </a:xfrm>
           <a:prstGeom prst="homePlate">
@@ -22181,7 +22064,7 @@
         <p:spPr>
           <a:xfrm>
             <a:off x="1155700" y="1295400"/>
-            <a:ext cx="2792413" cy="1600200"/>
+            <a:ext cx="2792413" cy="1460679"/>
           </a:xfrm>
         </p:spPr>
         <p:txBody>
@@ -22189,33 +22072,9 @@
           <a:lstStyle/>
           <a:p>
             <a:r>
-              <a:rPr lang="pt-BR" altLang="pt-BR" smtClean="0"/>
+              <a:rPr lang="pt-BR" altLang="pt-BR" dirty="0" smtClean="0"/>
               <a:t>MAPA</a:t>
             </a:r>
-          </a:p>
-        </p:txBody>
-      </p:sp>
-      <p:sp>
-        <p:nvSpPr>
-          <p:cNvPr id="20483" name="Espaço Reservado para Conteúdo 2"/>
-          <p:cNvSpPr>
-            <a:spLocks noGrp="1"/>
-          </p:cNvSpPr>
-          <p:nvPr>
-            <p:ph idx="1"/>
-          </p:nvPr>
-        </p:nvSpPr>
-        <p:spPr>
-          <a:xfrm>
-            <a:off x="5781675" y="1447800"/>
-            <a:ext cx="5189538" cy="4572000"/>
-          </a:xfrm>
-        </p:spPr>
-        <p:txBody>
-          <a:bodyPr/>
-          <a:lstStyle/>
-          <a:p>
-            <a:endParaRPr lang="pt-BR" altLang="pt-BR" smtClean="0"/>
           </a:p>
         </p:txBody>
       </p:sp>
@@ -22240,7 +22099,7 @@
           <a:lstStyle/>
           <a:p>
             <a:r>
-              <a:rPr lang="pt-BR" altLang="pt-BR" smtClean="0"/>
+              <a:rPr lang="pt-BR" altLang="pt-BR" dirty="0" smtClean="0"/>
               <a:t>PASSO 4: Clique no botão salvar, para salvar o ponto de interesse e sua localização.</a:t>
             </a:r>
           </a:p>
@@ -22276,8 +22135,13 @@
             <a:avLst/>
           </a:prstGeom>
           <a:noFill/>
-          <a:ln>
-            <a:noFill/>
+          <a:ln w="9525">
+            <a:solidFill>
+              <a:schemeClr val="tx1"/>
+            </a:solidFill>
+            <a:miter lim="800000"/>
+            <a:headEnd/>
+            <a:tailEnd/>
           </a:ln>
           <a:extLst>
             <a:ext uri="{909E8E84-426E-40DD-AFC4-6F175D3DCCD1}">
@@ -22286,16 +22150,6 @@
                   <a:srgbClr val="FFFFFF"/>
                 </a:solidFill>
               </a14:hiddenFill>
-            </a:ext>
-            <a:ext uri="{91240B29-F687-4F45-9708-019B960494DF}">
-              <a14:hiddenLine xmlns:a14="http://schemas.microsoft.com/office/drawing/2010/main" w="9525">
-                <a:solidFill>
-                  <a:srgbClr val="000000"/>
-                </a:solidFill>
-                <a:miter lim="800000"/>
-                <a:headEnd/>
-                <a:tailEnd/>
-              </a14:hiddenLine>
             </a:ext>
           </a:extLst>
         </p:spPr>
@@ -22412,30 +22266,6 @@
       </p:sp>
       <p:sp>
         <p:nvSpPr>
-          <p:cNvPr id="21507" name="Espaço Reservado para Conteúdo 2"/>
-          <p:cNvSpPr>
-            <a:spLocks noGrp="1"/>
-          </p:cNvSpPr>
-          <p:nvPr>
-            <p:ph idx="1"/>
-          </p:nvPr>
-        </p:nvSpPr>
-        <p:spPr>
-          <a:xfrm>
-            <a:off x="5781675" y="1447800"/>
-            <a:ext cx="5189538" cy="4572000"/>
-          </a:xfrm>
-        </p:spPr>
-        <p:txBody>
-          <a:bodyPr/>
-          <a:lstStyle/>
-          <a:p>
-            <a:endParaRPr lang="pt-BR" altLang="pt-BR" smtClean="0"/>
-          </a:p>
-        </p:txBody>
-      </p:sp>
-      <p:sp>
-        <p:nvSpPr>
           <p:cNvPr id="4" name="Espaço Reservado para Texto 3"/>
           <p:cNvSpPr>
             <a:spLocks noGrp="1"/>
@@ -22466,7 +22296,15 @@
             </a:pPr>
             <a:r>
               <a:rPr lang="pt-BR" dirty="0" smtClean="0"/>
-              <a:t>1 - Na guia Interesses, você pode gerenciar todos seus pontos de interesses cadastrados no mapa utilizando a guia TODOS, e favoritar os tipos de ponto de interesse que desejar. Para isso, basta clicar sobre o ícone de estrela que se encontra ao lado de cada tipo.</a:t>
+              <a:t>1 - Na guia Interesses, você pode gerenciar todos seus pontos de </a:t>
+            </a:r>
+            <a:r>
+              <a:rPr lang="pt-BR" dirty="0" smtClean="0"/>
+              <a:t>interesse </a:t>
+            </a:r>
+            <a:r>
+              <a:rPr lang="pt-BR" dirty="0" smtClean="0"/>
+              <a:t>cadastrados no mapa utilizando a guia TODOS, e favoritar os tipos de ponto de interesse que desejar. Para isso, basta clicar sobre o ícone de estrela que se encontra ao lado de cada tipo.</a:t>
             </a:r>
           </a:p>
           <a:p>
@@ -22527,8 +22365,13 @@
             <a:avLst/>
           </a:prstGeom>
           <a:noFill/>
-          <a:ln>
-            <a:noFill/>
+          <a:ln w="9525">
+            <a:solidFill>
+              <a:srgbClr val="000000"/>
+            </a:solidFill>
+            <a:miter lim="800000"/>
+            <a:headEnd/>
+            <a:tailEnd/>
           </a:ln>
           <a:extLst>
             <a:ext uri="{909E8E84-426E-40DD-AFC4-6F175D3DCCD1}">
@@ -22537,16 +22380,6 @@
                   <a:srgbClr val="FFFFFF"/>
                 </a:solidFill>
               </a14:hiddenFill>
-            </a:ext>
-            <a:ext uri="{91240B29-F687-4F45-9708-019B960494DF}">
-              <a14:hiddenLine xmlns:a14="http://schemas.microsoft.com/office/drawing/2010/main" w="9525">
-                <a:solidFill>
-                  <a:srgbClr val="000000"/>
-                </a:solidFill>
-                <a:miter lim="800000"/>
-                <a:headEnd/>
-                <a:tailEnd/>
-              </a14:hiddenLine>
             </a:ext>
           </a:extLst>
         </p:spPr>
@@ -22581,8 +22414,13 @@
             <a:avLst/>
           </a:prstGeom>
           <a:noFill/>
-          <a:ln>
-            <a:noFill/>
+          <a:ln w="9525">
+            <a:solidFill>
+              <a:srgbClr val="000000"/>
+            </a:solidFill>
+            <a:miter lim="800000"/>
+            <a:headEnd/>
+            <a:tailEnd/>
           </a:ln>
           <a:extLst>
             <a:ext uri="{909E8E84-426E-40DD-AFC4-6F175D3DCCD1}">
@@ -22591,16 +22429,6 @@
                   <a:srgbClr val="FFFFFF"/>
                 </a:solidFill>
               </a14:hiddenFill>
-            </a:ext>
-            <a:ext uri="{91240B29-F687-4F45-9708-019B960494DF}">
-              <a14:hiddenLine xmlns:a14="http://schemas.microsoft.com/office/drawing/2010/main" w="9525">
-                <a:solidFill>
-                  <a:srgbClr val="000000"/>
-                </a:solidFill>
-                <a:miter lim="800000"/>
-                <a:headEnd/>
-                <a:tailEnd/>
-              </a14:hiddenLine>
             </a:ext>
           </a:extLst>
         </p:spPr>
@@ -22666,30 +22494,6 @@
       </p:sp>
       <p:sp>
         <p:nvSpPr>
-          <p:cNvPr id="22531" name="Espaço Reservado para Conteúdo 2"/>
-          <p:cNvSpPr>
-            <a:spLocks noGrp="1"/>
-          </p:cNvSpPr>
-          <p:nvPr>
-            <p:ph idx="1"/>
-          </p:nvPr>
-        </p:nvSpPr>
-        <p:spPr>
-          <a:xfrm>
-            <a:off x="5781675" y="1447800"/>
-            <a:ext cx="5189538" cy="4572000"/>
-          </a:xfrm>
-        </p:spPr>
-        <p:txBody>
-          <a:bodyPr/>
-          <a:lstStyle/>
-          <a:p>
-            <a:endParaRPr lang="pt-BR" altLang="pt-BR" smtClean="0"/>
-          </a:p>
-        </p:txBody>
-      </p:sp>
-      <p:sp>
-        <p:nvSpPr>
           <p:cNvPr id="22532" name="Espaço Reservado para Texto 3"/>
           <p:cNvSpPr>
             <a:spLocks noGrp="1"/>
@@ -22738,7 +22542,7 @@
         </p:blipFill>
         <p:spPr bwMode="auto">
           <a:xfrm>
-            <a:off x="6621463" y="685800"/>
+            <a:off x="6312367" y="685800"/>
             <a:ext cx="3295650" cy="5476875"/>
           </a:xfrm>
           <a:prstGeom prst="rect">
@@ -22769,55 +22573,6 @@
           </a:extLst>
         </p:spPr>
       </p:pic>
-      <p:pic>
-        <p:nvPicPr>
-          <p:cNvPr id="22534" name="Imagem 5"/>
-          <p:cNvPicPr>
-            <a:picLocks noChangeAspect="1"/>
-          </p:cNvPicPr>
-          <p:nvPr/>
-        </p:nvPicPr>
-        <p:blipFill>
-          <a:blip r:embed="rId3">
-            <a:extLst>
-              <a:ext uri="{28A0092B-C50C-407E-A947-70E740481C1C}">
-                <a14:useLocalDpi xmlns:a14="http://schemas.microsoft.com/office/drawing/2010/main" val="0"/>
-              </a:ext>
-            </a:extLst>
-          </a:blip>
-          <a:srcRect/>
-          <a:stretch>
-            <a:fillRect/>
-          </a:stretch>
-        </p:blipFill>
-        <p:spPr bwMode="auto">
-          <a:xfrm>
-            <a:off x="1831975" y="2306638"/>
-            <a:ext cx="247650" cy="238125"/>
-          </a:xfrm>
-          <a:prstGeom prst="rect">
-            <a:avLst/>
-          </a:prstGeom>
-          <a:noFill/>
-          <a:ln w="3175">
-            <a:solidFill>
-              <a:schemeClr val="tx1"/>
-            </a:solidFill>
-            <a:miter lim="800000"/>
-            <a:headEnd/>
-            <a:tailEnd/>
-          </a:ln>
-          <a:extLst>
-            <a:ext uri="{909E8E84-426E-40DD-AFC4-6F175D3DCCD1}">
-              <a14:hiddenFill xmlns:a14="http://schemas.microsoft.com/office/drawing/2010/main">
-                <a:solidFill>
-                  <a:srgbClr val="FFFFFF"/>
-                </a:solidFill>
-              </a14:hiddenFill>
-            </a:ext>
-          </a:extLst>
-        </p:spPr>
-      </p:pic>
       <p:sp>
         <p:nvSpPr>
           <p:cNvPr id="7" name="Seta para a Esquerda 6"/>
@@ -22826,7 +22581,7 @@
         </p:nvSpPr>
         <p:spPr>
           <a:xfrm>
-            <a:off x="9917113" y="4800600"/>
+            <a:off x="9311806" y="4800600"/>
             <a:ext cx="1271587" cy="711200"/>
           </a:xfrm>
           <a:prstGeom prst="leftArrow">
@@ -22866,7 +22621,6 @@
               <a:rPr lang="pt-BR" dirty="0"/>
               <a:t>Opções</a:t>
             </a:r>
-            <a:endParaRPr lang="pt-BR" dirty="0"/>
           </a:p>
         </p:txBody>
       </p:sp>
